--- a/Projet3PPT.pptx
+++ b/Projet3PPT.pptx
@@ -16,6 +16,7 @@
     <p:sldId id="263" r:id="rId10"/>
     <p:sldId id="264" r:id="rId11"/>
     <p:sldId id="265" r:id="rId12"/>
+    <p:sldId id="267" r:id="rId13"/>
   </p:sldIdLst>
   <p:sldSz cx="12192000" cy="6858000"/>
   <p:notesSz cx="6858000" cy="9144000"/>
@@ -164,10 +165,9 @@
           </a:lstStyle>
           <a:p>
             <a:r>
-              <a:rPr lang="fr-FR" smtClean="0"/>
+              <a:rPr lang="fr-FR"/>
               <a:t>Modifiez le style du titre</a:t>
             </a:r>
-            <a:endParaRPr lang="fr-FR"/>
           </a:p>
         </p:txBody>
       </p:sp>
@@ -229,10 +229,9 @@
           </a:lstStyle>
           <a:p>
             <a:r>
-              <a:rPr lang="fr-FR" smtClean="0"/>
+              <a:rPr lang="fr-FR"/>
               <a:t>Modifiez le style des sous-titres du masque</a:t>
             </a:r>
-            <a:endParaRPr lang="fr-FR"/>
           </a:p>
         </p:txBody>
       </p:sp>
@@ -253,7 +252,7 @@
           <a:p>
             <a:fld id="{F3645A0E-865C-4916-91E6-E33F53A0C8CD}" type="datetimeFigureOut">
               <a:rPr lang="fr-FR" smtClean="0"/>
-              <a:t>23/02/2018</a:t>
+              <a:t>02/03/2018</a:t>
             </a:fld>
             <a:endParaRPr lang="fr-FR"/>
           </a:p>
@@ -347,10 +346,9 @@
           <a:lstStyle/>
           <a:p>
             <a:r>
-              <a:rPr lang="fr-FR" smtClean="0"/>
+              <a:rPr lang="fr-FR"/>
               <a:t>Modifiez le style du titre</a:t>
             </a:r>
-            <a:endParaRPr lang="fr-FR"/>
           </a:p>
         </p:txBody>
       </p:sp>
@@ -371,38 +369,37 @@
           <a:p>
             <a:pPr lvl="0"/>
             <a:r>
-              <a:rPr lang="fr-FR" smtClean="0"/>
+              <a:rPr lang="fr-FR"/>
               <a:t>Modifiez les styles du texte du masque</a:t>
             </a:r>
           </a:p>
           <a:p>
             <a:pPr lvl="1"/>
             <a:r>
-              <a:rPr lang="fr-FR" smtClean="0"/>
+              <a:rPr lang="fr-FR"/>
               <a:t>Deuxième niveau</a:t>
             </a:r>
           </a:p>
           <a:p>
             <a:pPr lvl="2"/>
             <a:r>
-              <a:rPr lang="fr-FR" smtClean="0"/>
+              <a:rPr lang="fr-FR"/>
               <a:t>Troisième niveau</a:t>
             </a:r>
           </a:p>
           <a:p>
             <a:pPr lvl="3"/>
             <a:r>
-              <a:rPr lang="fr-FR" smtClean="0"/>
+              <a:rPr lang="fr-FR"/>
               <a:t>Quatrième niveau</a:t>
             </a:r>
           </a:p>
           <a:p>
             <a:pPr lvl="4"/>
             <a:r>
-              <a:rPr lang="fr-FR" smtClean="0"/>
+              <a:rPr lang="fr-FR"/>
               <a:t>Cinquième niveau</a:t>
             </a:r>
-            <a:endParaRPr lang="fr-FR"/>
           </a:p>
         </p:txBody>
       </p:sp>
@@ -423,7 +420,7 @@
           <a:p>
             <a:fld id="{F3645A0E-865C-4916-91E6-E33F53A0C8CD}" type="datetimeFigureOut">
               <a:rPr lang="fr-FR" smtClean="0"/>
-              <a:t>23/02/2018</a:t>
+              <a:t>02/03/2018</a:t>
             </a:fld>
             <a:endParaRPr lang="fr-FR"/>
           </a:p>
@@ -522,10 +519,9 @@
           <a:lstStyle/>
           <a:p>
             <a:r>
-              <a:rPr lang="fr-FR" smtClean="0"/>
+              <a:rPr lang="fr-FR"/>
               <a:t>Modifiez le style du titre</a:t>
             </a:r>
-            <a:endParaRPr lang="fr-FR"/>
           </a:p>
         </p:txBody>
       </p:sp>
@@ -551,38 +547,37 @@
           <a:p>
             <a:pPr lvl="0"/>
             <a:r>
-              <a:rPr lang="fr-FR" smtClean="0"/>
+              <a:rPr lang="fr-FR"/>
               <a:t>Modifiez les styles du texte du masque</a:t>
             </a:r>
           </a:p>
           <a:p>
             <a:pPr lvl="1"/>
             <a:r>
-              <a:rPr lang="fr-FR" smtClean="0"/>
+              <a:rPr lang="fr-FR"/>
               <a:t>Deuxième niveau</a:t>
             </a:r>
           </a:p>
           <a:p>
             <a:pPr lvl="2"/>
             <a:r>
-              <a:rPr lang="fr-FR" smtClean="0"/>
+              <a:rPr lang="fr-FR"/>
               <a:t>Troisième niveau</a:t>
             </a:r>
           </a:p>
           <a:p>
             <a:pPr lvl="3"/>
             <a:r>
-              <a:rPr lang="fr-FR" smtClean="0"/>
+              <a:rPr lang="fr-FR"/>
               <a:t>Quatrième niveau</a:t>
             </a:r>
           </a:p>
           <a:p>
             <a:pPr lvl="4"/>
             <a:r>
-              <a:rPr lang="fr-FR" smtClean="0"/>
+              <a:rPr lang="fr-FR"/>
               <a:t>Cinquième niveau</a:t>
             </a:r>
-            <a:endParaRPr lang="fr-FR"/>
           </a:p>
         </p:txBody>
       </p:sp>
@@ -603,7 +598,7 @@
           <a:p>
             <a:fld id="{F3645A0E-865C-4916-91E6-E33F53A0C8CD}" type="datetimeFigureOut">
               <a:rPr lang="fr-FR" smtClean="0"/>
-              <a:t>23/02/2018</a:t>
+              <a:t>02/03/2018</a:t>
             </a:fld>
             <a:endParaRPr lang="fr-FR"/>
           </a:p>
@@ -697,10 +692,9 @@
           <a:lstStyle/>
           <a:p>
             <a:r>
-              <a:rPr lang="fr-FR" smtClean="0"/>
+              <a:rPr lang="fr-FR"/>
               <a:t>Modifiez le style du titre</a:t>
             </a:r>
-            <a:endParaRPr lang="fr-FR"/>
           </a:p>
         </p:txBody>
       </p:sp>
@@ -721,38 +715,37 @@
           <a:p>
             <a:pPr lvl="0"/>
             <a:r>
-              <a:rPr lang="fr-FR" smtClean="0"/>
+              <a:rPr lang="fr-FR"/>
               <a:t>Modifiez les styles du texte du masque</a:t>
             </a:r>
           </a:p>
           <a:p>
             <a:pPr lvl="1"/>
             <a:r>
-              <a:rPr lang="fr-FR" smtClean="0"/>
+              <a:rPr lang="fr-FR"/>
               <a:t>Deuxième niveau</a:t>
             </a:r>
           </a:p>
           <a:p>
             <a:pPr lvl="2"/>
             <a:r>
-              <a:rPr lang="fr-FR" smtClean="0"/>
+              <a:rPr lang="fr-FR"/>
               <a:t>Troisième niveau</a:t>
             </a:r>
           </a:p>
           <a:p>
             <a:pPr lvl="3"/>
             <a:r>
-              <a:rPr lang="fr-FR" smtClean="0"/>
+              <a:rPr lang="fr-FR"/>
               <a:t>Quatrième niveau</a:t>
             </a:r>
           </a:p>
           <a:p>
             <a:pPr lvl="4"/>
             <a:r>
-              <a:rPr lang="fr-FR" smtClean="0"/>
+              <a:rPr lang="fr-FR"/>
               <a:t>Cinquième niveau</a:t>
             </a:r>
-            <a:endParaRPr lang="fr-FR"/>
           </a:p>
         </p:txBody>
       </p:sp>
@@ -773,7 +766,7 @@
           <a:p>
             <a:fld id="{F3645A0E-865C-4916-91E6-E33F53A0C8CD}" type="datetimeFigureOut">
               <a:rPr lang="fr-FR" smtClean="0"/>
-              <a:t>23/02/2018</a:t>
+              <a:t>02/03/2018</a:t>
             </a:fld>
             <a:endParaRPr lang="fr-FR"/>
           </a:p>
@@ -876,10 +869,9 @@
           </a:lstStyle>
           <a:p>
             <a:r>
-              <a:rPr lang="fr-FR" smtClean="0"/>
+              <a:rPr lang="fr-FR"/>
               <a:t>Modifiez le style du titre</a:t>
             </a:r>
-            <a:endParaRPr lang="fr-FR"/>
           </a:p>
         </p:txBody>
       </p:sp>
@@ -996,7 +988,7 @@
           <a:p>
             <a:pPr lvl="0"/>
             <a:r>
-              <a:rPr lang="fr-FR" smtClean="0"/>
+              <a:rPr lang="fr-FR"/>
               <a:t>Modifiez les styles du texte du masque</a:t>
             </a:r>
           </a:p>
@@ -1019,7 +1011,7 @@
           <a:p>
             <a:fld id="{F3645A0E-865C-4916-91E6-E33F53A0C8CD}" type="datetimeFigureOut">
               <a:rPr lang="fr-FR" smtClean="0"/>
-              <a:t>23/02/2018</a:t>
+              <a:t>02/03/2018</a:t>
             </a:fld>
             <a:endParaRPr lang="fr-FR"/>
           </a:p>
@@ -1113,10 +1105,9 @@
           <a:lstStyle/>
           <a:p>
             <a:r>
-              <a:rPr lang="fr-FR" smtClean="0"/>
+              <a:rPr lang="fr-FR"/>
               <a:t>Modifiez le style du titre</a:t>
             </a:r>
-            <a:endParaRPr lang="fr-FR"/>
           </a:p>
         </p:txBody>
       </p:sp>
@@ -1142,38 +1133,37 @@
           <a:p>
             <a:pPr lvl="0"/>
             <a:r>
-              <a:rPr lang="fr-FR" smtClean="0"/>
+              <a:rPr lang="fr-FR"/>
               <a:t>Modifiez les styles du texte du masque</a:t>
             </a:r>
           </a:p>
           <a:p>
             <a:pPr lvl="1"/>
             <a:r>
-              <a:rPr lang="fr-FR" smtClean="0"/>
+              <a:rPr lang="fr-FR"/>
               <a:t>Deuxième niveau</a:t>
             </a:r>
           </a:p>
           <a:p>
             <a:pPr lvl="2"/>
             <a:r>
-              <a:rPr lang="fr-FR" smtClean="0"/>
+              <a:rPr lang="fr-FR"/>
               <a:t>Troisième niveau</a:t>
             </a:r>
           </a:p>
           <a:p>
             <a:pPr lvl="3"/>
             <a:r>
-              <a:rPr lang="fr-FR" smtClean="0"/>
+              <a:rPr lang="fr-FR"/>
               <a:t>Quatrième niveau</a:t>
             </a:r>
           </a:p>
           <a:p>
             <a:pPr lvl="4"/>
             <a:r>
-              <a:rPr lang="fr-FR" smtClean="0"/>
+              <a:rPr lang="fr-FR"/>
               <a:t>Cinquième niveau</a:t>
             </a:r>
-            <a:endParaRPr lang="fr-FR"/>
           </a:p>
         </p:txBody>
       </p:sp>
@@ -1199,38 +1189,37 @@
           <a:p>
             <a:pPr lvl="0"/>
             <a:r>
-              <a:rPr lang="fr-FR" smtClean="0"/>
+              <a:rPr lang="fr-FR"/>
               <a:t>Modifiez les styles du texte du masque</a:t>
             </a:r>
           </a:p>
           <a:p>
             <a:pPr lvl="1"/>
             <a:r>
-              <a:rPr lang="fr-FR" smtClean="0"/>
+              <a:rPr lang="fr-FR"/>
               <a:t>Deuxième niveau</a:t>
             </a:r>
           </a:p>
           <a:p>
             <a:pPr lvl="2"/>
             <a:r>
-              <a:rPr lang="fr-FR" smtClean="0"/>
+              <a:rPr lang="fr-FR"/>
               <a:t>Troisième niveau</a:t>
             </a:r>
           </a:p>
           <a:p>
             <a:pPr lvl="3"/>
             <a:r>
-              <a:rPr lang="fr-FR" smtClean="0"/>
+              <a:rPr lang="fr-FR"/>
               <a:t>Quatrième niveau</a:t>
             </a:r>
           </a:p>
           <a:p>
             <a:pPr lvl="4"/>
             <a:r>
-              <a:rPr lang="fr-FR" smtClean="0"/>
+              <a:rPr lang="fr-FR"/>
               <a:t>Cinquième niveau</a:t>
             </a:r>
-            <a:endParaRPr lang="fr-FR"/>
           </a:p>
         </p:txBody>
       </p:sp>
@@ -1251,7 +1240,7 @@
           <a:p>
             <a:fld id="{F3645A0E-865C-4916-91E6-E33F53A0C8CD}" type="datetimeFigureOut">
               <a:rPr lang="fr-FR" smtClean="0"/>
-              <a:t>23/02/2018</a:t>
+              <a:t>02/03/2018</a:t>
             </a:fld>
             <a:endParaRPr lang="fr-FR"/>
           </a:p>
@@ -1350,10 +1339,9 @@
           <a:lstStyle/>
           <a:p>
             <a:r>
-              <a:rPr lang="fr-FR" smtClean="0"/>
+              <a:rPr lang="fr-FR"/>
               <a:t>Modifiez le style du titre</a:t>
             </a:r>
-            <a:endParaRPr lang="fr-FR"/>
           </a:p>
         </p:txBody>
       </p:sp>
@@ -1416,7 +1404,7 @@
           <a:p>
             <a:pPr lvl="0"/>
             <a:r>
-              <a:rPr lang="fr-FR" smtClean="0"/>
+              <a:rPr lang="fr-FR"/>
               <a:t>Modifiez les styles du texte du masque</a:t>
             </a:r>
           </a:p>
@@ -1444,38 +1432,37 @@
           <a:p>
             <a:pPr lvl="0"/>
             <a:r>
-              <a:rPr lang="fr-FR" smtClean="0"/>
+              <a:rPr lang="fr-FR"/>
               <a:t>Modifiez les styles du texte du masque</a:t>
             </a:r>
           </a:p>
           <a:p>
             <a:pPr lvl="1"/>
             <a:r>
-              <a:rPr lang="fr-FR" smtClean="0"/>
+              <a:rPr lang="fr-FR"/>
               <a:t>Deuxième niveau</a:t>
             </a:r>
           </a:p>
           <a:p>
             <a:pPr lvl="2"/>
             <a:r>
-              <a:rPr lang="fr-FR" smtClean="0"/>
+              <a:rPr lang="fr-FR"/>
               <a:t>Troisième niveau</a:t>
             </a:r>
           </a:p>
           <a:p>
             <a:pPr lvl="3"/>
             <a:r>
-              <a:rPr lang="fr-FR" smtClean="0"/>
+              <a:rPr lang="fr-FR"/>
               <a:t>Quatrième niveau</a:t>
             </a:r>
           </a:p>
           <a:p>
             <a:pPr lvl="4"/>
             <a:r>
-              <a:rPr lang="fr-FR" smtClean="0"/>
+              <a:rPr lang="fr-FR"/>
               <a:t>Cinquième niveau</a:t>
             </a:r>
-            <a:endParaRPr lang="fr-FR"/>
           </a:p>
         </p:txBody>
       </p:sp>
@@ -1538,7 +1525,7 @@
           <a:p>
             <a:pPr lvl="0"/>
             <a:r>
-              <a:rPr lang="fr-FR" smtClean="0"/>
+              <a:rPr lang="fr-FR"/>
               <a:t>Modifiez les styles du texte du masque</a:t>
             </a:r>
           </a:p>
@@ -1566,38 +1553,37 @@
           <a:p>
             <a:pPr lvl="0"/>
             <a:r>
-              <a:rPr lang="fr-FR" smtClean="0"/>
+              <a:rPr lang="fr-FR"/>
               <a:t>Modifiez les styles du texte du masque</a:t>
             </a:r>
           </a:p>
           <a:p>
             <a:pPr lvl="1"/>
             <a:r>
-              <a:rPr lang="fr-FR" smtClean="0"/>
+              <a:rPr lang="fr-FR"/>
               <a:t>Deuxième niveau</a:t>
             </a:r>
           </a:p>
           <a:p>
             <a:pPr lvl="2"/>
             <a:r>
-              <a:rPr lang="fr-FR" smtClean="0"/>
+              <a:rPr lang="fr-FR"/>
               <a:t>Troisième niveau</a:t>
             </a:r>
           </a:p>
           <a:p>
             <a:pPr lvl="3"/>
             <a:r>
-              <a:rPr lang="fr-FR" smtClean="0"/>
+              <a:rPr lang="fr-FR"/>
               <a:t>Quatrième niveau</a:t>
             </a:r>
           </a:p>
           <a:p>
             <a:pPr lvl="4"/>
             <a:r>
-              <a:rPr lang="fr-FR" smtClean="0"/>
+              <a:rPr lang="fr-FR"/>
               <a:t>Cinquième niveau</a:t>
             </a:r>
-            <a:endParaRPr lang="fr-FR"/>
           </a:p>
         </p:txBody>
       </p:sp>
@@ -1618,7 +1604,7 @@
           <a:p>
             <a:fld id="{F3645A0E-865C-4916-91E6-E33F53A0C8CD}" type="datetimeFigureOut">
               <a:rPr lang="fr-FR" smtClean="0"/>
-              <a:t>23/02/2018</a:t>
+              <a:t>02/03/2018</a:t>
             </a:fld>
             <a:endParaRPr lang="fr-FR"/>
           </a:p>
@@ -1712,10 +1698,9 @@
           <a:lstStyle/>
           <a:p>
             <a:r>
-              <a:rPr lang="fr-FR" smtClean="0"/>
+              <a:rPr lang="fr-FR"/>
               <a:t>Modifiez le style du titre</a:t>
             </a:r>
-            <a:endParaRPr lang="fr-FR"/>
           </a:p>
         </p:txBody>
       </p:sp>
@@ -1736,7 +1721,7 @@
           <a:p>
             <a:fld id="{F3645A0E-865C-4916-91E6-E33F53A0C8CD}" type="datetimeFigureOut">
               <a:rPr lang="fr-FR" smtClean="0"/>
-              <a:t>23/02/2018</a:t>
+              <a:t>02/03/2018</a:t>
             </a:fld>
             <a:endParaRPr lang="fr-FR"/>
           </a:p>
@@ -1831,7 +1816,7 @@
           <a:p>
             <a:fld id="{F3645A0E-865C-4916-91E6-E33F53A0C8CD}" type="datetimeFigureOut">
               <a:rPr lang="fr-FR" smtClean="0"/>
-              <a:t>23/02/2018</a:t>
+              <a:t>02/03/2018</a:t>
             </a:fld>
             <a:endParaRPr lang="fr-FR"/>
           </a:p>
@@ -1934,10 +1919,9 @@
           </a:lstStyle>
           <a:p>
             <a:r>
-              <a:rPr lang="fr-FR" smtClean="0"/>
+              <a:rPr lang="fr-FR"/>
               <a:t>Modifiez le style du titre</a:t>
             </a:r>
-            <a:endParaRPr lang="fr-FR"/>
           </a:p>
         </p:txBody>
       </p:sp>
@@ -1991,38 +1975,37 @@
           <a:p>
             <a:pPr lvl="0"/>
             <a:r>
-              <a:rPr lang="fr-FR" smtClean="0"/>
+              <a:rPr lang="fr-FR"/>
               <a:t>Modifiez les styles du texte du masque</a:t>
             </a:r>
           </a:p>
           <a:p>
             <a:pPr lvl="1"/>
             <a:r>
-              <a:rPr lang="fr-FR" smtClean="0"/>
+              <a:rPr lang="fr-FR"/>
               <a:t>Deuxième niveau</a:t>
             </a:r>
           </a:p>
           <a:p>
             <a:pPr lvl="2"/>
             <a:r>
-              <a:rPr lang="fr-FR" smtClean="0"/>
+              <a:rPr lang="fr-FR"/>
               <a:t>Troisième niveau</a:t>
             </a:r>
           </a:p>
           <a:p>
             <a:pPr lvl="3"/>
             <a:r>
-              <a:rPr lang="fr-FR" smtClean="0"/>
+              <a:rPr lang="fr-FR"/>
               <a:t>Quatrième niveau</a:t>
             </a:r>
           </a:p>
           <a:p>
             <a:pPr lvl="4"/>
             <a:r>
-              <a:rPr lang="fr-FR" smtClean="0"/>
+              <a:rPr lang="fr-FR"/>
               <a:t>Cinquième niveau</a:t>
             </a:r>
-            <a:endParaRPr lang="fr-FR"/>
           </a:p>
         </p:txBody>
       </p:sp>
@@ -2085,7 +2068,7 @@
           <a:p>
             <a:pPr lvl="0"/>
             <a:r>
-              <a:rPr lang="fr-FR" smtClean="0"/>
+              <a:rPr lang="fr-FR"/>
               <a:t>Modifiez les styles du texte du masque</a:t>
             </a:r>
           </a:p>
@@ -2108,7 +2091,7 @@
           <a:p>
             <a:fld id="{F3645A0E-865C-4916-91E6-E33F53A0C8CD}" type="datetimeFigureOut">
               <a:rPr lang="fr-FR" smtClean="0"/>
-              <a:t>23/02/2018</a:t>
+              <a:t>02/03/2018</a:t>
             </a:fld>
             <a:endParaRPr lang="fr-FR"/>
           </a:p>
@@ -2211,10 +2194,9 @@
           </a:lstStyle>
           <a:p>
             <a:r>
-              <a:rPr lang="fr-FR" smtClean="0"/>
+              <a:rPr lang="fr-FR"/>
               <a:t>Modifiez le style du titre</a:t>
             </a:r>
-            <a:endParaRPr lang="fr-FR"/>
           </a:p>
         </p:txBody>
       </p:sp>
@@ -2338,7 +2320,7 @@
           <a:p>
             <a:pPr lvl="0"/>
             <a:r>
-              <a:rPr lang="fr-FR" smtClean="0"/>
+              <a:rPr lang="fr-FR"/>
               <a:t>Modifiez les styles du texte du masque</a:t>
             </a:r>
           </a:p>
@@ -2361,7 +2343,7 @@
           <a:p>
             <a:fld id="{F3645A0E-865C-4916-91E6-E33F53A0C8CD}" type="datetimeFigureOut">
               <a:rPr lang="fr-FR" smtClean="0"/>
-              <a:t>23/02/2018</a:t>
+              <a:t>02/03/2018</a:t>
             </a:fld>
             <a:endParaRPr lang="fr-FR"/>
           </a:p>
@@ -2470,10 +2452,9 @@
           <a:lstStyle/>
           <a:p>
             <a:r>
-              <a:rPr lang="fr-FR" smtClean="0"/>
+              <a:rPr lang="fr-FR"/>
               <a:t>Modifiez le style du titre</a:t>
             </a:r>
-            <a:endParaRPr lang="fr-FR"/>
           </a:p>
         </p:txBody>
       </p:sp>
@@ -2504,38 +2485,37 @@
           <a:p>
             <a:pPr lvl="0"/>
             <a:r>
-              <a:rPr lang="fr-FR" smtClean="0"/>
+              <a:rPr lang="fr-FR"/>
               <a:t>Modifiez les styles du texte du masque</a:t>
             </a:r>
           </a:p>
           <a:p>
             <a:pPr lvl="1"/>
             <a:r>
-              <a:rPr lang="fr-FR" smtClean="0"/>
+              <a:rPr lang="fr-FR"/>
               <a:t>Deuxième niveau</a:t>
             </a:r>
           </a:p>
           <a:p>
             <a:pPr lvl="2"/>
             <a:r>
-              <a:rPr lang="fr-FR" smtClean="0"/>
+              <a:rPr lang="fr-FR"/>
               <a:t>Troisième niveau</a:t>
             </a:r>
           </a:p>
           <a:p>
             <a:pPr lvl="3"/>
             <a:r>
-              <a:rPr lang="fr-FR" smtClean="0"/>
+              <a:rPr lang="fr-FR"/>
               <a:t>Quatrième niveau</a:t>
             </a:r>
           </a:p>
           <a:p>
             <a:pPr lvl="4"/>
             <a:r>
-              <a:rPr lang="fr-FR" smtClean="0"/>
+              <a:rPr lang="fr-FR"/>
               <a:t>Cinquième niveau</a:t>
             </a:r>
-            <a:endParaRPr lang="fr-FR"/>
           </a:p>
         </p:txBody>
       </p:sp>
@@ -2574,7 +2554,7 @@
           <a:p>
             <a:fld id="{F3645A0E-865C-4916-91E6-E33F53A0C8CD}" type="datetimeFigureOut">
               <a:rPr lang="fr-FR" smtClean="0"/>
-              <a:t>23/02/2018</a:t>
+              <a:t>02/03/2018</a:t>
             </a:fld>
             <a:endParaRPr lang="fr-FR"/>
           </a:p>
@@ -3002,18 +2982,13 @@
           <a:lstStyle/>
           <a:p>
             <a:r>
-              <a:rPr lang="fr-FR" sz="4800" b="1" i="1" dirty="0" smtClean="0">
+              <a:rPr lang="fr-FR" sz="4800" b="1" i="1" dirty="0">
                 <a:solidFill>
                   <a:srgbClr val="0070C0"/>
                 </a:solidFill>
               </a:rPr>
               <a:t>Développement Application Python: Projet 3</a:t>
             </a:r>
-            <a:endParaRPr lang="fr-FR" sz="4800" b="1" i="1" dirty="0">
-              <a:solidFill>
-                <a:srgbClr val="0070C0"/>
-              </a:solidFill>
-            </a:endParaRPr>
           </a:p>
         </p:txBody>
       </p:sp>
@@ -3035,18 +3010,17 @@
           <a:lstStyle/>
           <a:p>
             <a:r>
-              <a:rPr lang="fr-FR" sz="3200" dirty="0" smtClean="0"/>
+              <a:rPr lang="fr-FR" sz="3200" dirty="0"/>
               <a:t>Réalisation du jeu « Aidez </a:t>
             </a:r>
             <a:r>
-              <a:rPr lang="fr-FR" sz="3200" dirty="0" err="1" smtClean="0"/>
+              <a:rPr lang="fr-FR" sz="3200" dirty="0" err="1"/>
               <a:t>McGyver</a:t>
             </a:r>
             <a:r>
-              <a:rPr lang="fr-FR" sz="3200" dirty="0" smtClean="0"/>
+              <a:rPr lang="fr-FR" sz="3200" dirty="0"/>
               <a:t> à s’échapper »</a:t>
             </a:r>
-            <a:endParaRPr lang="fr-FR" sz="3200" dirty="0"/>
           </a:p>
         </p:txBody>
       </p:sp>
@@ -3099,18 +3073,13 @@
           <a:p>
             <a:pPr algn="ctr"/>
             <a:r>
-              <a:rPr lang="fr-FR" sz="3600" b="1" i="1" dirty="0" smtClean="0">
+              <a:rPr lang="fr-FR" sz="3600" b="1" i="1" dirty="0">
                 <a:solidFill>
                   <a:srgbClr val="0070C0"/>
                 </a:solidFill>
               </a:rPr>
               <a:t>Le programme s'arrête si le joueur a ramassé tous les objets et trouvé la sortie</a:t>
             </a:r>
-            <a:endParaRPr lang="fr-FR" sz="3600" b="1" i="1" dirty="0">
-              <a:solidFill>
-                <a:srgbClr val="0070C0"/>
-              </a:solidFill>
-            </a:endParaRPr>
           </a:p>
         </p:txBody>
       </p:sp>
@@ -3130,7 +3099,7 @@
           <a:lstStyle/>
           <a:p>
             <a:r>
-              <a:rPr lang="fr-FR" dirty="0" smtClean="0"/>
+              <a:rPr lang="fr-FR" dirty="0"/>
               <a:t>On vérifie les positions du joueur et de la sortie (ici le gardien):</a:t>
             </a:r>
           </a:p>
@@ -3139,49 +3108,49 @@
               <a:buNone/>
             </a:pPr>
             <a:r>
-              <a:rPr lang="fr-FR" dirty="0" smtClean="0"/>
+              <a:rPr lang="fr-FR" dirty="0"/>
               <a:t>	</a:t>
             </a:r>
             <a:r>
-              <a:rPr lang="fr-FR" sz="1800" dirty="0" smtClean="0"/>
+              <a:rPr lang="fr-FR" sz="1800" dirty="0"/>
               <a:t>If (</a:t>
             </a:r>
             <a:r>
-              <a:rPr lang="fr-FR" sz="1800" dirty="0" err="1" smtClean="0"/>
+              <a:rPr lang="fr-FR" sz="1800" dirty="0" err="1"/>
               <a:t>joueur.x</a:t>
             </a:r>
             <a:r>
-              <a:rPr lang="fr-FR" sz="1800" dirty="0" smtClean="0"/>
+              <a:rPr lang="fr-FR" sz="1800" dirty="0"/>
               <a:t>, </a:t>
             </a:r>
             <a:r>
-              <a:rPr lang="fr-FR" sz="1800" dirty="0" err="1" smtClean="0"/>
+              <a:rPr lang="fr-FR" sz="1800" dirty="0" err="1"/>
               <a:t>joueur.y</a:t>
             </a:r>
             <a:r>
-              <a:rPr lang="fr-FR" sz="1800" dirty="0" smtClean="0"/>
+              <a:rPr lang="fr-FR" sz="1800" dirty="0"/>
               <a:t>) == (</a:t>
             </a:r>
             <a:r>
-              <a:rPr lang="fr-FR" sz="1800" dirty="0" err="1" smtClean="0"/>
+              <a:rPr lang="fr-FR" sz="1800" dirty="0" err="1"/>
               <a:t>gardien.x</a:t>
             </a:r>
             <a:r>
-              <a:rPr lang="fr-FR" sz="1800" dirty="0" smtClean="0"/>
+              <a:rPr lang="fr-FR" sz="1800" dirty="0"/>
               <a:t>, </a:t>
             </a:r>
             <a:r>
-              <a:rPr lang="fr-FR" sz="1800" dirty="0" err="1" smtClean="0"/>
+              <a:rPr lang="fr-FR" sz="1800" dirty="0" err="1"/>
               <a:t>gardien.y</a:t>
             </a:r>
             <a:r>
-              <a:rPr lang="fr-FR" sz="1800" dirty="0" smtClean="0"/>
+              <a:rPr lang="fr-FR" sz="1800" dirty="0"/>
               <a:t>):</a:t>
             </a:r>
           </a:p>
           <a:p>
             <a:r>
-              <a:rPr lang="fr-FR" dirty="0" smtClean="0"/>
+              <a:rPr lang="fr-FR" dirty="0"/>
               <a:t>Ensuite on vérifie que les objets requis sont présents dans l’inventaire et la partie est gagnée:</a:t>
             </a:r>
           </a:p>
@@ -3190,39 +3159,39 @@
               <a:buNone/>
             </a:pPr>
             <a:r>
-              <a:rPr lang="fr-FR" sz="1800" dirty="0" smtClean="0"/>
+              <a:rPr lang="fr-FR" sz="1800" dirty="0"/>
               <a:t>	If (</a:t>
             </a:r>
             <a:r>
-              <a:rPr lang="fr-FR" sz="1800" dirty="0" err="1" smtClean="0"/>
+              <a:rPr lang="fr-FR" sz="1800" dirty="0" err="1"/>
               <a:t>joueur.x</a:t>
             </a:r>
             <a:r>
-              <a:rPr lang="fr-FR" sz="1800" dirty="0" smtClean="0"/>
+              <a:rPr lang="fr-FR" sz="1800" dirty="0"/>
               <a:t>, </a:t>
             </a:r>
             <a:r>
-              <a:rPr lang="fr-FR" sz="1800" dirty="0" err="1" smtClean="0"/>
+              <a:rPr lang="fr-FR" sz="1800" dirty="0" err="1"/>
               <a:t>joueur.y</a:t>
             </a:r>
             <a:r>
-              <a:rPr lang="fr-FR" sz="1800" dirty="0" smtClean="0"/>
+              <a:rPr lang="fr-FR" sz="1800" dirty="0"/>
               <a:t>) == (</a:t>
             </a:r>
             <a:r>
-              <a:rPr lang="fr-FR" sz="1800" dirty="0" err="1" smtClean="0"/>
+              <a:rPr lang="fr-FR" sz="1800" dirty="0" err="1"/>
               <a:t>gardien.x</a:t>
             </a:r>
             <a:r>
-              <a:rPr lang="fr-FR" sz="1800" dirty="0" smtClean="0"/>
+              <a:rPr lang="fr-FR" sz="1800" dirty="0"/>
               <a:t>, </a:t>
             </a:r>
             <a:r>
-              <a:rPr lang="fr-FR" sz="1800" dirty="0" err="1" smtClean="0"/>
+              <a:rPr lang="fr-FR" sz="1800" dirty="0" err="1"/>
               <a:t>gardien.y</a:t>
             </a:r>
             <a:r>
-              <a:rPr lang="fr-FR" sz="1800" dirty="0" smtClean="0"/>
+              <a:rPr lang="fr-FR" sz="1800" dirty="0"/>
               <a:t>):</a:t>
             </a:r>
           </a:p>
@@ -3231,15 +3200,15 @@
               <a:buNone/>
             </a:pPr>
             <a:r>
-              <a:rPr lang="fr-FR" sz="1800" dirty="0" smtClean="0"/>
+              <a:rPr lang="fr-FR" sz="1800" dirty="0"/>
               <a:t>		If inventaire == {« objet1 » : 1, « objet2 »:1, « </a:t>
             </a:r>
             <a:r>
-              <a:rPr lang="fr-FR" sz="1800" dirty="0" err="1" smtClean="0"/>
+              <a:rPr lang="fr-FR" sz="1800" dirty="0" err="1"/>
               <a:t>objetn</a:t>
             </a:r>
             <a:r>
-              <a:rPr lang="fr-FR" sz="1800" dirty="0" smtClean="0"/>
+              <a:rPr lang="fr-FR" sz="1800" dirty="0"/>
               <a:t> »:1}:</a:t>
             </a:r>
           </a:p>
@@ -3248,17 +3217,15 @@
               <a:buNone/>
             </a:pPr>
             <a:r>
-              <a:rPr lang="fr-FR" sz="1800" dirty="0" smtClean="0"/>
+              <a:rPr lang="fr-FR" sz="1800" dirty="0"/>
               <a:t>		partie = « gagnée »  #on affiche l’écran de victoire</a:t>
             </a:r>
-            <a:endParaRPr lang="fr-FR" sz="1800" dirty="0"/>
-          </a:p>
-          <a:p>
-            <a:r>
-              <a:rPr lang="fr-FR" dirty="0" smtClean="0"/>
+          </a:p>
+          <a:p>
+            <a:r>
+              <a:rPr lang="fr-FR" dirty="0"/>
               <a:t>Si la condition n’est pas rempli la partie est perdue et on affiche l’écran de la défaite.</a:t>
             </a:r>
-            <a:endParaRPr lang="fr-FR" dirty="0"/>
           </a:p>
         </p:txBody>
       </p:sp>
@@ -3311,7 +3278,7 @@
           <a:p>
             <a:pPr algn="ctr"/>
             <a:r>
-              <a:rPr lang="fr-FR" sz="3600" b="1" i="1" dirty="0" smtClean="0">
+              <a:rPr lang="fr-FR" sz="3600" b="1" i="1" dirty="0">
                 <a:solidFill>
                   <a:srgbClr val="0070C0"/>
                 </a:solidFill>
@@ -3319,7 +3286,7 @@
               <a:t>Le programme est « </a:t>
             </a:r>
             <a:r>
-              <a:rPr lang="fr-FR" sz="3600" b="1" i="1" dirty="0" err="1" smtClean="0">
+              <a:rPr lang="fr-FR" sz="3600" b="1" i="1" dirty="0" err="1">
                 <a:solidFill>
                   <a:srgbClr val="0070C0"/>
                 </a:solidFill>
@@ -3327,18 +3294,13 @@
               <a:t>standalone</a:t>
             </a:r>
             <a:r>
-              <a:rPr lang="fr-FR" sz="3600" b="1" i="1" dirty="0" smtClean="0">
+              <a:rPr lang="fr-FR" sz="3600" b="1" i="1" dirty="0">
                 <a:solidFill>
                   <a:srgbClr val="0070C0"/>
                 </a:solidFill>
               </a:rPr>
               <a:t> »</a:t>
             </a:r>
-            <a:endParaRPr lang="fr-FR" sz="3600" b="1" i="1" dirty="0">
-              <a:solidFill>
-                <a:srgbClr val="0070C0"/>
-              </a:solidFill>
-            </a:endParaRPr>
           </a:p>
         </p:txBody>
       </p:sp>
@@ -3363,18 +3325,25 @@
           <a:lstStyle/>
           <a:p>
             <a:r>
-              <a:rPr lang="fr-FR" dirty="0" smtClean="0"/>
-              <a:t>On doit lancer le jeu depuis un environnement </a:t>
-            </a:r>
-            <a:r>
-              <a:rPr lang="fr-FR" dirty="0" smtClean="0"/>
-              <a:t>virtuel python 3 </a:t>
-            </a:r>
-            <a:r>
-              <a:rPr lang="fr-FR" smtClean="0"/>
-              <a:t>créé préalablement.</a:t>
-            </a:r>
-            <a:endParaRPr lang="fr-FR" dirty="0" smtClean="0"/>
+              <a:rPr lang="fr-FR" dirty="0"/>
+              <a:t>On doit lancer le jeu depuis un environnement virtuel python 3 créé préalablement avec le module </a:t>
+            </a:r>
+            <a:r>
+              <a:rPr lang="fr-FR" dirty="0" err="1"/>
+              <a:t>virtualenv</a:t>
+            </a:r>
+            <a:r>
+              <a:rPr lang="fr-FR" dirty="0"/>
+              <a:t>, on y installera les modules nécessaires au fonctionnement du jeu (</a:t>
+            </a:r>
+            <a:r>
+              <a:rPr lang="fr-FR" dirty="0" err="1"/>
+              <a:t>pygame</a:t>
+            </a:r>
+            <a:r>
+              <a:rPr lang="fr-FR" dirty="0"/>
+              <a:t>).</a:t>
+            </a:r>
           </a:p>
           <a:p>
             <a:pPr marL="0" indent="0">
@@ -3388,6 +3357,163 @@
     <p:extLst>
       <p:ext uri="{BB962C8B-B14F-4D97-AF65-F5344CB8AC3E}">
         <p14:creationId xmlns:p14="http://schemas.microsoft.com/office/powerpoint/2010/main" val="3986144177"/>
+      </p:ext>
+    </p:extLst>
+  </p:cSld>
+  <p:clrMapOvr>
+    <a:masterClrMapping/>
+  </p:clrMapOvr>
+</p:sld>
+</file>
+
+<file path=ppt/slides/slide12.xml><?xml version="1.0" encoding="utf-8"?>
+<p:sld xmlns:a="http://schemas.openxmlformats.org/drawingml/2006/main" xmlns:r="http://schemas.openxmlformats.org/officeDocument/2006/relationships" xmlns:p="http://schemas.openxmlformats.org/presentationml/2006/main">
+  <p:cSld>
+    <p:spTree>
+      <p:nvGrpSpPr>
+        <p:cNvPr id="1" name=""/>
+        <p:cNvGrpSpPr/>
+        <p:nvPr/>
+      </p:nvGrpSpPr>
+      <p:grpSpPr>
+        <a:xfrm>
+          <a:off x="0" y="0"/>
+          <a:ext cx="0" cy="0"/>
+          <a:chOff x="0" y="0"/>
+          <a:chExt cx="0" cy="0"/>
+        </a:xfrm>
+      </p:grpSpPr>
+      <p:sp>
+        <p:nvSpPr>
+          <p:cNvPr id="2" name="Titre 1">
+            <a:extLst>
+              <a:ext uri="{FF2B5EF4-FFF2-40B4-BE49-F238E27FC236}">
+                <a16:creationId xmlns:a16="http://schemas.microsoft.com/office/drawing/2014/main" id="{0EA5D40F-F74A-4E72-9885-ECC7F64C49E5}"/>
+              </a:ext>
+            </a:extLst>
+          </p:cNvPr>
+          <p:cNvSpPr>
+            <a:spLocks noGrp="1"/>
+          </p:cNvSpPr>
+          <p:nvPr>
+            <p:ph type="title"/>
+          </p:nvPr>
+        </p:nvSpPr>
+        <p:spPr/>
+        <p:txBody>
+          <a:bodyPr/>
+          <a:lstStyle/>
+          <a:p>
+            <a:pPr algn="ctr"/>
+            <a:r>
+              <a:rPr lang="fr-FR" sz="3600" b="1" i="1" dirty="0">
+                <a:solidFill>
+                  <a:srgbClr val="0070C0"/>
+                </a:solidFill>
+              </a:rPr>
+              <a:t>Perspectives</a:t>
+            </a:r>
+            <a:r>
+              <a:rPr lang="fr-FR" b="1" i="1" dirty="0">
+                <a:solidFill>
+                  <a:srgbClr val="0070C0"/>
+                </a:solidFill>
+              </a:rPr>
+              <a:t> d’amélioration</a:t>
+            </a:r>
+            <a:endParaRPr lang="fr-FR" dirty="0"/>
+          </a:p>
+        </p:txBody>
+      </p:sp>
+      <p:sp>
+        <p:nvSpPr>
+          <p:cNvPr id="3" name="Espace réservé du contenu 2">
+            <a:extLst>
+              <a:ext uri="{FF2B5EF4-FFF2-40B4-BE49-F238E27FC236}">
+                <a16:creationId xmlns:a16="http://schemas.microsoft.com/office/drawing/2014/main" id="{68F8EA8D-4E80-493F-8E55-9E44889E5A51}"/>
+              </a:ext>
+            </a:extLst>
+          </p:cNvPr>
+          <p:cNvSpPr>
+            <a:spLocks noGrp="1"/>
+          </p:cNvSpPr>
+          <p:nvPr>
+            <p:ph idx="1"/>
+          </p:nvPr>
+        </p:nvSpPr>
+        <p:spPr/>
+        <p:txBody>
+          <a:bodyPr/>
+          <a:lstStyle/>
+          <a:p>
+            <a:r>
+              <a:rPr lang="fr-FR" dirty="0"/>
+              <a:t>Génération aléatoire du niveau (re jouabilité et difficulté)</a:t>
+            </a:r>
+          </a:p>
+          <a:p>
+            <a:pPr lvl="1"/>
+            <a:r>
+              <a:rPr lang="fr-FR" dirty="0" err="1"/>
+              <a:t>Pathfinding</a:t>
+            </a:r>
+            <a:r>
+              <a:rPr lang="fr-FR" dirty="0"/>
+              <a:t> pour le gardien</a:t>
+            </a:r>
+          </a:p>
+          <a:p>
+            <a:r>
+              <a:rPr lang="fr-FR" dirty="0"/>
+              <a:t>Gestion de l’éclairage (esthétique et exploration)</a:t>
+            </a:r>
+          </a:p>
+          <a:p>
+            <a:pPr lvl="1"/>
+            <a:r>
+              <a:rPr lang="fr-FR" dirty="0" err="1"/>
+              <a:t>Raytracing</a:t>
+            </a:r>
+            <a:r>
+              <a:rPr lang="fr-FR" dirty="0"/>
+              <a:t> pour créer un polygone de visibilité</a:t>
+            </a:r>
+          </a:p>
+          <a:p>
+            <a:pPr lvl="1"/>
+            <a:r>
+              <a:rPr lang="fr-FR" dirty="0"/>
+              <a:t>Affichage d’un masque « lumière » sur le joueur et occultation de l’</a:t>
+            </a:r>
+            <a:r>
+              <a:rPr lang="fr-FR" dirty="0" err="1"/>
+              <a:t>écra</a:t>
+            </a:r>
+            <a:endParaRPr lang="fr-FR" dirty="0"/>
+          </a:p>
+          <a:p>
+            <a:r>
+              <a:rPr lang="fr-FR" dirty="0"/>
+              <a:t>Animations fluides (mouvements des personnages, projectiles, translation de murs)</a:t>
+            </a:r>
+          </a:p>
+          <a:p>
+            <a:r>
+              <a:rPr lang="fr-FR" dirty="0"/>
+              <a:t>Augmentation de la taille du niveau, </a:t>
+            </a:r>
+            <a:r>
+              <a:rPr lang="fr-FR"/>
+              <a:t>sauvegarde, scrolling</a:t>
+            </a:r>
+            <a:endParaRPr lang="fr-FR" dirty="0"/>
+          </a:p>
+        </p:txBody>
+      </p:sp>
+    </p:spTree>
+    <p:extLst>
+      <p:ext uri="{BB962C8B-B14F-4D97-AF65-F5344CB8AC3E}">
+        <p14:creationId xmlns:p14="http://schemas.microsoft.com/office/powerpoint/2010/main" val="1886362256"/>
       </p:ext>
     </p:extLst>
   </p:cSld>
@@ -3438,18 +3564,13 @@
           <a:p>
             <a:pPr algn="ctr"/>
             <a:r>
-              <a:rPr lang="fr-FR" sz="3600" b="1" i="1" dirty="0" smtClean="0">
+              <a:rPr lang="fr-FR" sz="3600" b="1" i="1" dirty="0">
                 <a:solidFill>
                   <a:srgbClr val="0070C0"/>
                 </a:solidFill>
               </a:rPr>
               <a:t>Rappel du cahier des charges</a:t>
             </a:r>
-            <a:endParaRPr lang="fr-FR" sz="3600" b="1" i="1" dirty="0">
-              <a:solidFill>
-                <a:srgbClr val="0070C0"/>
-              </a:solidFill>
-            </a:endParaRPr>
           </a:p>
         </p:txBody>
       </p:sp>
@@ -3476,65 +3597,65 @@
           <a:lstStyle/>
           <a:p>
             <a:r>
-              <a:rPr lang="fr-FR" dirty="0" smtClean="0"/>
+              <a:rPr lang="fr-FR" dirty="0"/>
               <a:t>Un seul niveau depuis un fichier facilement modifiable</a:t>
             </a:r>
           </a:p>
           <a:p>
             <a:r>
-              <a:rPr lang="fr-FR" dirty="0" smtClean="0"/>
+              <a:rPr lang="fr-FR" dirty="0"/>
               <a:t>Déplacement du joueur avec les touches directionnelles du clavier</a:t>
             </a:r>
           </a:p>
           <a:p>
             <a:r>
-              <a:rPr lang="fr-FR" dirty="0" smtClean="0"/>
+              <a:rPr lang="fr-FR" dirty="0"/>
               <a:t>Objets apparaissant aléatoirement dans le niveau</a:t>
             </a:r>
           </a:p>
           <a:p>
             <a:r>
-              <a:rPr lang="fr-FR" dirty="0" smtClean="0"/>
+              <a:rPr lang="fr-FR" dirty="0"/>
               <a:t>La fenêtre du jeu est un carré de 15 </a:t>
             </a:r>
             <a:r>
-              <a:rPr lang="fr-FR" dirty="0" err="1" smtClean="0"/>
+              <a:rPr lang="fr-FR" dirty="0" err="1"/>
               <a:t>sprites</a:t>
             </a:r>
             <a:r>
-              <a:rPr lang="fr-FR" dirty="0" smtClean="0"/>
+              <a:rPr lang="fr-FR" dirty="0"/>
               <a:t> de long</a:t>
             </a:r>
           </a:p>
           <a:p>
             <a:r>
-              <a:rPr lang="fr-FR" dirty="0" smtClean="0"/>
+              <a:rPr lang="fr-FR" dirty="0"/>
               <a:t>Le joueur se déplace de case en case</a:t>
             </a:r>
           </a:p>
           <a:p>
             <a:r>
-              <a:rPr lang="fr-FR" dirty="0" smtClean="0"/>
+              <a:rPr lang="fr-FR" dirty="0"/>
               <a:t>Le joueur ramasse un objet se déplaçant dessus</a:t>
             </a:r>
           </a:p>
           <a:p>
             <a:r>
-              <a:rPr lang="fr-FR" dirty="0" smtClean="0"/>
+              <a:rPr lang="fr-FR" dirty="0"/>
               <a:t>Le programme s'arrête si le joueur a ramassé tous les objets et trouvé la sortie</a:t>
             </a:r>
           </a:p>
           <a:p>
             <a:r>
-              <a:rPr lang="fr-FR" dirty="0" smtClean="0"/>
+              <a:rPr lang="fr-FR" dirty="0"/>
               <a:t>Le programme est « </a:t>
             </a:r>
             <a:r>
-              <a:rPr lang="fr-FR" dirty="0" err="1" smtClean="0"/>
+              <a:rPr lang="fr-FR" dirty="0" err="1"/>
               <a:t>standalone</a:t>
             </a:r>
             <a:r>
-              <a:rPr lang="fr-FR" dirty="0" smtClean="0"/>
+              <a:rPr lang="fr-FR" dirty="0"/>
               <a:t> »</a:t>
             </a:r>
           </a:p>
@@ -3588,18 +3709,13 @@
           <a:lstStyle/>
           <a:p>
             <a:r>
-              <a:rPr lang="fr-FR" sz="3600" b="1" i="1" dirty="0" smtClean="0">
+              <a:rPr lang="fr-FR" sz="3600" b="1" i="1" dirty="0">
                 <a:solidFill>
                   <a:srgbClr val="0070C0"/>
                 </a:solidFill>
               </a:rPr>
               <a:t>Un seul niveau depuis un fichier facilement modifiable</a:t>
             </a:r>
-            <a:endParaRPr lang="fr-FR" sz="3600" b="1" i="1" dirty="0">
-              <a:solidFill>
-                <a:srgbClr val="0070C0"/>
-              </a:solidFill>
-            </a:endParaRPr>
           </a:p>
         </p:txBody>
       </p:sp>
@@ -3619,13 +3735,13 @@
           <a:lstStyle/>
           <a:p>
             <a:r>
-              <a:rPr lang="fr-FR" dirty="0" smtClean="0"/>
+              <a:rPr lang="fr-FR" dirty="0"/>
               <a:t>Les outils existants sont ils suffisants?</a:t>
             </a:r>
           </a:p>
           <a:p>
             <a:r>
-              <a:rPr lang="fr-FR" dirty="0" smtClean="0"/>
+              <a:rPr lang="fr-FR" dirty="0"/>
               <a:t>Un éditeur de texte standard permet l’emploi d’assez de caractères pour aller au-delà des fonctionnalités demandées pour le programme</a:t>
             </a:r>
           </a:p>
@@ -3634,7 +3750,7 @@
           </a:p>
           <a:p>
             <a:r>
-              <a:rPr lang="fr-FR" dirty="0" smtClean="0"/>
+              <a:rPr lang="fr-FR" dirty="0"/>
               <a:t>On lit un fichier texte pour créer une grille en faisant une liste contenant d’autre listes:</a:t>
             </a:r>
           </a:p>
@@ -3642,14 +3758,14 @@
             <a:pPr marL="0" indent="0">
               <a:buNone/>
             </a:pPr>
-            <a:endParaRPr lang="fr-FR" dirty="0" smtClean="0"/>
+            <a:endParaRPr lang="fr-FR" dirty="0"/>
           </a:p>
           <a:p>
             <a:pPr marL="457200" lvl="1" indent="0">
               <a:buNone/>
             </a:pPr>
             <a:r>
-              <a:rPr lang="fr-FR" sz="1800" dirty="0" smtClean="0"/>
+              <a:rPr lang="fr-FR" sz="1800" dirty="0"/>
               <a:t>				niveau[y][x]</a:t>
             </a:r>
           </a:p>
@@ -3822,18 +3938,13 @@
           <a:p>
             <a:pPr algn="ctr"/>
             <a:r>
-              <a:rPr lang="fr-FR" sz="3600" b="1" i="1" dirty="0" smtClean="0">
+              <a:rPr lang="fr-FR" sz="3600" b="1" i="1" dirty="0">
                 <a:solidFill>
                   <a:srgbClr val="0070C0"/>
                 </a:solidFill>
               </a:rPr>
               <a:t>Déplacement du joueur avec les touches directionnelles du clavier</a:t>
             </a:r>
-            <a:endParaRPr lang="fr-FR" sz="3600" b="1" i="1" dirty="0">
-              <a:solidFill>
-                <a:srgbClr val="0070C0"/>
-              </a:solidFill>
-            </a:endParaRPr>
           </a:p>
         </p:txBody>
       </p:sp>
@@ -3853,33 +3964,33 @@
           <a:lstStyle/>
           <a:p>
             <a:r>
-              <a:rPr lang="fr-FR" dirty="0" smtClean="0"/>
+              <a:rPr lang="fr-FR" dirty="0"/>
               <a:t>Existe il des modules efficaces pour la gestion des entrées claviers?</a:t>
             </a:r>
           </a:p>
           <a:p>
             <a:r>
-              <a:rPr lang="fr-FR" dirty="0" err="1" smtClean="0"/>
+              <a:rPr lang="fr-FR" dirty="0" err="1"/>
               <a:t>Pynput</a:t>
             </a:r>
             <a:r>
-              <a:rPr lang="fr-FR" dirty="0" smtClean="0"/>
+              <a:rPr lang="fr-FR" dirty="0"/>
               <a:t>, </a:t>
             </a:r>
             <a:r>
-              <a:rPr lang="fr-FR" dirty="0" err="1" smtClean="0"/>
+              <a:rPr lang="fr-FR" dirty="0" err="1"/>
               <a:t>pygame</a:t>
             </a:r>
             <a:r>
-              <a:rPr lang="fr-FR" dirty="0" smtClean="0"/>
+              <a:rPr lang="fr-FR" dirty="0"/>
               <a:t> avec </a:t>
             </a:r>
             <a:r>
-              <a:rPr lang="fr-FR" dirty="0" err="1" smtClean="0"/>
+              <a:rPr lang="fr-FR" dirty="0" err="1"/>
               <a:t>pygame.event</a:t>
             </a:r>
             <a:r>
-              <a:rPr lang="fr-FR" dirty="0" smtClean="0"/>
+              <a:rPr lang="fr-FR" dirty="0"/>
               <a:t> plus approprié pour un jeu</a:t>
             </a:r>
           </a:p>
@@ -3934,18 +4045,13 @@
           <a:p>
             <a:pPr algn="ctr"/>
             <a:r>
-              <a:rPr lang="fr-FR" sz="3600" b="1" i="1" dirty="0" smtClean="0">
+              <a:rPr lang="fr-FR" sz="3600" b="1" i="1" dirty="0">
                 <a:solidFill>
                   <a:srgbClr val="0070C0"/>
                 </a:solidFill>
               </a:rPr>
               <a:t>Objets apparaissant aléatoirement dans le niveau</a:t>
             </a:r>
-            <a:endParaRPr lang="fr-FR" sz="3600" b="1" i="1" dirty="0">
-              <a:solidFill>
-                <a:srgbClr val="0070C0"/>
-              </a:solidFill>
-            </a:endParaRPr>
           </a:p>
         </p:txBody>
       </p:sp>
@@ -3968,21 +4074,21 @@
               <a:buNone/>
             </a:pPr>
             <a:r>
-              <a:rPr lang="fr-FR" dirty="0" smtClean="0"/>
+              <a:rPr lang="fr-FR" dirty="0"/>
               <a:t>Nécessité de l’emploi du module </a:t>
             </a:r>
             <a:r>
-              <a:rPr lang="fr-FR" dirty="0" err="1" smtClean="0"/>
+              <a:rPr lang="fr-FR" dirty="0" err="1"/>
               <a:t>random</a:t>
             </a:r>
-            <a:endParaRPr lang="fr-FR" dirty="0" smtClean="0"/>
+            <a:endParaRPr lang="fr-FR" dirty="0"/>
           </a:p>
           <a:p>
             <a:pPr marL="0" indent="0">
               <a:buNone/>
             </a:pPr>
             <a:r>
-              <a:rPr lang="fr-FR" dirty="0" smtClean="0"/>
+              <a:rPr lang="fr-FR" dirty="0"/>
               <a:t>Eviter l’apparition dans des endroits inaccessibles ou sur objet préexistant, on vérifie:</a:t>
             </a:r>
           </a:p>
@@ -3995,7 +4101,7 @@
               <a:t>	</a:t>
             </a:r>
             <a:r>
-              <a:rPr lang="fr-FR" sz="1800" dirty="0" smtClean="0"/>
+              <a:rPr lang="fr-FR" sz="1800" dirty="0"/>
               <a:t>if niveau[y][x] != « x »:  #x représente un mur</a:t>
             </a:r>
           </a:p>
@@ -4005,44 +4111,39 @@
             </a:pPr>
             <a:r>
               <a:rPr lang="fr-FR" sz="1800" dirty="0"/>
-              <a:t>	</a:t>
-            </a:r>
-            <a:r>
-              <a:rPr lang="fr-FR" sz="1800" dirty="0" smtClean="0"/>
-              <a:t>	if niveau[y][x] != « o »: #o représente un objet qu’on a fait apparaître avant</a:t>
-            </a:r>
-            <a:endParaRPr lang="fr-FR" sz="1800" dirty="0"/>
+              <a:t>		if niveau[y][x] != « o »: #o représente un objet qu’on a fait apparaître avant</a:t>
+            </a:r>
           </a:p>
           <a:p>
             <a:pPr marL="0" indent="0">
               <a:buNone/>
             </a:pPr>
             <a:r>
-              <a:rPr lang="fr-FR" sz="1800" dirty="0" smtClean="0"/>
+              <a:rPr lang="fr-FR" sz="1800" dirty="0"/>
               <a:t>			</a:t>
             </a:r>
             <a:r>
-              <a:rPr lang="fr-FR" sz="1800" dirty="0" err="1" smtClean="0"/>
+              <a:rPr lang="fr-FR" sz="1800" dirty="0" err="1"/>
               <a:t>objet.x</a:t>
             </a:r>
             <a:r>
-              <a:rPr lang="fr-FR" sz="1800" dirty="0" smtClean="0"/>
+              <a:rPr lang="fr-FR" sz="1800" dirty="0"/>
               <a:t> = </a:t>
             </a:r>
             <a:r>
-              <a:rPr lang="fr-FR" sz="1800" dirty="0" err="1" smtClean="0"/>
+              <a:rPr lang="fr-FR" sz="1800" dirty="0" err="1"/>
               <a:t>random.randrange</a:t>
             </a:r>
             <a:r>
-              <a:rPr lang="fr-FR" sz="1800" dirty="0" smtClean="0"/>
+              <a:rPr lang="fr-FR" sz="1800" dirty="0"/>
               <a:t>(</a:t>
             </a:r>
             <a:r>
-              <a:rPr lang="fr-FR" sz="1800" dirty="0" err="1" smtClean="0"/>
+              <a:rPr lang="fr-FR" sz="1800" dirty="0" err="1"/>
               <a:t>xmin,xmax</a:t>
             </a:r>
             <a:r>
-              <a:rPr lang="fr-FR" sz="1800" dirty="0" smtClean="0"/>
+              <a:rPr lang="fr-FR" sz="1800" dirty="0"/>
               <a:t>)</a:t>
             </a:r>
           </a:p>
@@ -4052,34 +4153,30 @@
             </a:pPr>
             <a:r>
               <a:rPr lang="fr-FR" sz="1800" dirty="0"/>
-              <a:t>	</a:t>
-            </a:r>
-            <a:r>
-              <a:rPr lang="fr-FR" sz="1800" dirty="0" smtClean="0"/>
-              <a:t>		</a:t>
-            </a:r>
-            <a:r>
-              <a:rPr lang="fr-FR" sz="1800" dirty="0" err="1" smtClean="0"/>
+              <a:t>			</a:t>
+            </a:r>
+            <a:r>
+              <a:rPr lang="fr-FR" sz="1800" dirty="0" err="1"/>
               <a:t>objet.y</a:t>
             </a:r>
             <a:r>
-              <a:rPr lang="fr-FR" sz="1800" dirty="0" smtClean="0"/>
+              <a:rPr lang="fr-FR" sz="1800" dirty="0"/>
               <a:t> = </a:t>
             </a:r>
             <a:r>
-              <a:rPr lang="fr-FR" sz="1800" dirty="0" err="1" smtClean="0"/>
+              <a:rPr lang="fr-FR" sz="1800" dirty="0" err="1"/>
               <a:t>random.randrange</a:t>
             </a:r>
             <a:r>
-              <a:rPr lang="fr-FR" sz="1800" dirty="0" smtClean="0"/>
+              <a:rPr lang="fr-FR" sz="1800" dirty="0"/>
               <a:t>(</a:t>
             </a:r>
             <a:r>
-              <a:rPr lang="fr-FR" sz="1800" dirty="0" err="1" smtClean="0"/>
+              <a:rPr lang="fr-FR" sz="1800" dirty="0" err="1"/>
               <a:t>ymin,ymax</a:t>
             </a:r>
             <a:r>
-              <a:rPr lang="fr-FR" sz="1800" dirty="0" smtClean="0"/>
+              <a:rPr lang="fr-FR" sz="1800" dirty="0"/>
               <a:t>)</a:t>
             </a:r>
           </a:p>
@@ -4088,10 +4185,9 @@
               <a:buNone/>
             </a:pPr>
             <a:r>
-              <a:rPr lang="fr-FR" sz="1800" dirty="0" smtClean="0"/>
+              <a:rPr lang="fr-FR" sz="1800" dirty="0"/>
               <a:t>			niveau[y][x] == « o » #on marque la grille pour empêcher d’autres objets 						d’apparaître</a:t>
             </a:r>
-            <a:endParaRPr lang="fr-FR" sz="1800" dirty="0"/>
           </a:p>
         </p:txBody>
       </p:sp>
@@ -4144,7 +4240,7 @@
           <a:p>
             <a:pPr algn="ctr"/>
             <a:r>
-              <a:rPr lang="fr-FR" sz="3600" b="1" i="1" dirty="0" smtClean="0">
+              <a:rPr lang="fr-FR" sz="3600" b="1" i="1" dirty="0">
                 <a:solidFill>
                   <a:srgbClr val="0070C0"/>
                 </a:solidFill>
@@ -4152,7 +4248,7 @@
               <a:t>La fenêtre du jeu est un carré de 15 </a:t>
             </a:r>
             <a:r>
-              <a:rPr lang="fr-FR" sz="3600" b="1" i="1" dirty="0" err="1" smtClean="0">
+              <a:rPr lang="fr-FR" sz="3600" b="1" i="1" dirty="0" err="1">
                 <a:solidFill>
                   <a:srgbClr val="0070C0"/>
                 </a:solidFill>
@@ -4160,18 +4256,13 @@
               <a:t>sprites</a:t>
             </a:r>
             <a:r>
-              <a:rPr lang="fr-FR" sz="3600" b="1" i="1" dirty="0" smtClean="0">
+              <a:rPr lang="fr-FR" sz="3600" b="1" i="1" dirty="0">
                 <a:solidFill>
                   <a:srgbClr val="0070C0"/>
                 </a:solidFill>
               </a:rPr>
               <a:t> de long</a:t>
             </a:r>
-            <a:endParaRPr lang="fr-FR" sz="3600" b="1" i="1" dirty="0">
-              <a:solidFill>
-                <a:srgbClr val="0070C0"/>
-              </a:solidFill>
-            </a:endParaRPr>
           </a:p>
         </p:txBody>
       </p:sp>
@@ -4191,23 +4282,23 @@
           <a:lstStyle/>
           <a:p>
             <a:r>
-              <a:rPr lang="fr-FR" dirty="0" smtClean="0"/>
+              <a:rPr lang="fr-FR" dirty="0"/>
               <a:t>Emploi d’un module approprié pour l’affichage efficace d’une fenêtre et de </a:t>
             </a:r>
             <a:r>
-              <a:rPr lang="fr-FR" dirty="0" err="1" smtClean="0"/>
+              <a:rPr lang="fr-FR" dirty="0" err="1"/>
               <a:t>sprites</a:t>
             </a:r>
             <a:r>
-              <a:rPr lang="fr-FR" dirty="0" smtClean="0"/>
+              <a:rPr lang="fr-FR" dirty="0"/>
               <a:t> (simples images dans notre cas) nous dirige vers le module </a:t>
             </a:r>
             <a:r>
-              <a:rPr lang="fr-FR" dirty="0" err="1" smtClean="0"/>
+              <a:rPr lang="fr-FR" dirty="0" err="1"/>
               <a:t>pygame</a:t>
             </a:r>
             <a:r>
-              <a:rPr lang="fr-FR" dirty="0" smtClean="0"/>
+              <a:rPr lang="fr-FR" dirty="0"/>
               <a:t>.</a:t>
             </a:r>
           </a:p>
@@ -4216,28 +4307,28 @@
               <a:buNone/>
             </a:pPr>
             <a:r>
-              <a:rPr lang="fr-FR" dirty="0" smtClean="0"/>
+              <a:rPr lang="fr-FR" dirty="0"/>
               <a:t>(</a:t>
             </a:r>
             <a:r>
-              <a:rPr lang="fr-FR" dirty="0" err="1" smtClean="0"/>
+              <a:rPr lang="fr-FR" dirty="0" err="1"/>
               <a:t>pygame.display</a:t>
             </a:r>
             <a:r>
-              <a:rPr lang="fr-FR" dirty="0" smtClean="0"/>
+              <a:rPr lang="fr-FR" dirty="0"/>
               <a:t> pour les fenêtres, </a:t>
             </a:r>
             <a:r>
-              <a:rPr lang="fr-FR" dirty="0" err="1" smtClean="0"/>
+              <a:rPr lang="fr-FR" dirty="0" err="1"/>
               <a:t>pygame.Surface</a:t>
             </a:r>
             <a:r>
-              <a:rPr lang="fr-FR" dirty="0" smtClean="0"/>
+              <a:rPr lang="fr-FR" dirty="0"/>
               <a:t> pour les images)</a:t>
             </a:r>
           </a:p>
           <a:p>
-            <a:endParaRPr lang="fr-FR" dirty="0" smtClean="0"/>
+            <a:endParaRPr lang="fr-FR" dirty="0"/>
           </a:p>
         </p:txBody>
       </p:sp>
@@ -4290,18 +4381,13 @@
           <a:p>
             <a:pPr algn="ctr"/>
             <a:r>
-              <a:rPr lang="fr-FR" sz="3600" b="1" i="1" dirty="0" smtClean="0">
+              <a:rPr lang="fr-FR" sz="3600" b="1" i="1" dirty="0">
                 <a:solidFill>
                   <a:srgbClr val="0070C0"/>
                 </a:solidFill>
               </a:rPr>
               <a:t>Le joueur se déplace de case en case</a:t>
             </a:r>
-            <a:endParaRPr lang="fr-FR" sz="3600" b="1" i="1" dirty="0">
-              <a:solidFill>
-                <a:srgbClr val="0070C0"/>
-              </a:solidFill>
-            </a:endParaRPr>
           </a:p>
         </p:txBody>
       </p:sp>
@@ -4321,7 +4407,7 @@
           <a:lstStyle/>
           <a:p>
             <a:r>
-              <a:rPr lang="fr-FR" dirty="0" smtClean="0"/>
+              <a:rPr lang="fr-FR" dirty="0"/>
               <a:t>Si une direction est donnée depuis les entrées clavier on modifie la position du joueur sur la grille représentant le niveau en incrémentant ou décrémentant la valeur de x ou y:</a:t>
             </a:r>
           </a:p>
@@ -4330,7 +4416,7 @@
               <a:buNone/>
             </a:pPr>
             <a:r>
-              <a:rPr lang="fr-FR" dirty="0" smtClean="0"/>
+              <a:rPr lang="fr-FR" dirty="0"/>
               <a:t>en x:</a:t>
             </a:r>
           </a:p>
@@ -4339,7 +4425,7 @@
               <a:buNone/>
             </a:pPr>
             <a:r>
-              <a:rPr lang="fr-FR" sz="1800" dirty="0" smtClean="0"/>
+              <a:rPr lang="fr-FR" sz="1800" dirty="0"/>
               <a:t>	If direction == « droite »:</a:t>
             </a:r>
           </a:p>
@@ -4349,18 +4435,14 @@
             </a:pPr>
             <a:r>
               <a:rPr lang="fr-FR" sz="1800" dirty="0"/>
-              <a:t>	</a:t>
-            </a:r>
-            <a:r>
-              <a:rPr lang="fr-FR" sz="1800" dirty="0" smtClean="0"/>
-              <a:t>	</a:t>
-            </a:r>
-            <a:r>
-              <a:rPr lang="fr-FR" sz="1800" dirty="0" err="1" smtClean="0"/>
+              <a:t>		</a:t>
+            </a:r>
+            <a:r>
+              <a:rPr lang="fr-FR" sz="1800" dirty="0" err="1"/>
               <a:t>joueur.x_case</a:t>
             </a:r>
             <a:r>
-              <a:rPr lang="fr-FR" sz="1800" dirty="0" smtClean="0"/>
+              <a:rPr lang="fr-FR" sz="1800" dirty="0"/>
               <a:t> += 1  #déplacement d’une seule case à droite</a:t>
             </a:r>
           </a:p>
@@ -4375,7 +4457,7 @@
               <a:buNone/>
             </a:pPr>
             <a:r>
-              <a:rPr lang="fr-FR" sz="1800" dirty="0" smtClean="0"/>
+              <a:rPr lang="fr-FR" sz="1800" dirty="0"/>
               <a:t>	en y:</a:t>
             </a:r>
           </a:p>
@@ -4384,7 +4466,7 @@
               <a:buNone/>
             </a:pPr>
             <a:r>
-              <a:rPr lang="fr-FR" sz="1800" dirty="0" smtClean="0"/>
+              <a:rPr lang="fr-FR" sz="1800" dirty="0"/>
               <a:t>	If direction == « bas »:</a:t>
             </a:r>
           </a:p>
@@ -4394,18 +4476,14 @@
             </a:pPr>
             <a:r>
               <a:rPr lang="fr-FR" sz="1800" dirty="0"/>
-              <a:t> 	</a:t>
-            </a:r>
-            <a:r>
-              <a:rPr lang="fr-FR" sz="1800" dirty="0" smtClean="0"/>
-              <a:t>	</a:t>
-            </a:r>
-            <a:r>
-              <a:rPr lang="fr-FR" sz="1800" dirty="0" err="1" smtClean="0"/>
+              <a:t> 		</a:t>
+            </a:r>
+            <a:r>
+              <a:rPr lang="fr-FR" sz="1800" dirty="0" err="1"/>
               <a:t>joueur.y_case</a:t>
             </a:r>
             <a:r>
-              <a:rPr lang="fr-FR" sz="1800" dirty="0" smtClean="0"/>
+              <a:rPr lang="fr-FR" sz="1800" dirty="0"/>
               <a:t> -= 1 #déplacement d’une seule case en bas</a:t>
             </a:r>
           </a:p>
@@ -4467,18 +4545,13 @@
           <a:p>
             <a:pPr algn="ctr"/>
             <a:r>
-              <a:rPr lang="fr-FR" sz="3600" b="1" i="1" dirty="0" smtClean="0">
+              <a:rPr lang="fr-FR" sz="3600" b="1" i="1" dirty="0">
                 <a:solidFill>
                   <a:srgbClr val="0070C0"/>
                 </a:solidFill>
               </a:rPr>
               <a:t>Le joueur ramasse un objet en se déplaçant dessus</a:t>
             </a:r>
-            <a:endParaRPr lang="fr-FR" sz="3600" b="1" i="1" dirty="0">
-              <a:solidFill>
-                <a:srgbClr val="0070C0"/>
-              </a:solidFill>
-            </a:endParaRPr>
           </a:p>
         </p:txBody>
       </p:sp>
@@ -4498,7 +4571,7 @@
           <a:lstStyle/>
           <a:p>
             <a:r>
-              <a:rPr lang="fr-FR" dirty="0" smtClean="0"/>
+              <a:rPr lang="fr-FR" dirty="0"/>
               <a:t>On créée un inventaire avec un dictionnaire, les valeurs des clés à 0:</a:t>
             </a:r>
           </a:p>
@@ -4507,22 +4580,22 @@
               <a:buNone/>
             </a:pPr>
             <a:r>
-              <a:rPr lang="fr-FR" sz="1800" dirty="0" smtClean="0"/>
+              <a:rPr lang="fr-FR" sz="1800" dirty="0"/>
               <a:t>	inventaire = {« objet1 »:0 , « objet2 »:0, « </a:t>
             </a:r>
             <a:r>
-              <a:rPr lang="fr-FR" sz="1800" dirty="0" err="1" smtClean="0"/>
+              <a:rPr lang="fr-FR" sz="1800" dirty="0" err="1"/>
               <a:t>objetn</a:t>
             </a:r>
             <a:r>
-              <a:rPr lang="fr-FR" sz="1800" dirty="0" smtClean="0"/>
+              <a:rPr lang="fr-FR" sz="1800" dirty="0"/>
               <a:t> »:0}</a:t>
             </a:r>
             <a:endParaRPr lang="fr-FR" dirty="0"/>
           </a:p>
           <a:p>
             <a:r>
-              <a:rPr lang="fr-FR" dirty="0" smtClean="0"/>
+              <a:rPr lang="fr-FR" dirty="0"/>
               <a:t>On vérifie les postions des objets et du joueur:</a:t>
             </a:r>
           </a:p>
@@ -4531,49 +4604,49 @@
               <a:buNone/>
             </a:pPr>
             <a:r>
-              <a:rPr lang="fr-FR" dirty="0" smtClean="0"/>
+              <a:rPr lang="fr-FR" dirty="0"/>
               <a:t>	</a:t>
             </a:r>
             <a:r>
-              <a:rPr lang="fr-FR" sz="1800" dirty="0" smtClean="0"/>
+              <a:rPr lang="fr-FR" sz="1800" dirty="0"/>
               <a:t>If (</a:t>
             </a:r>
             <a:r>
-              <a:rPr lang="fr-FR" sz="1800" dirty="0" err="1" smtClean="0"/>
+              <a:rPr lang="fr-FR" sz="1800" dirty="0" err="1"/>
               <a:t>objet.x</a:t>
             </a:r>
             <a:r>
-              <a:rPr lang="fr-FR" sz="1800" dirty="0" smtClean="0"/>
+              <a:rPr lang="fr-FR" sz="1800" dirty="0"/>
               <a:t>, </a:t>
             </a:r>
             <a:r>
-              <a:rPr lang="fr-FR" sz="1800" dirty="0" err="1" smtClean="0"/>
+              <a:rPr lang="fr-FR" sz="1800" dirty="0" err="1"/>
               <a:t>objet,y</a:t>
             </a:r>
             <a:r>
-              <a:rPr lang="fr-FR" sz="1800" dirty="0" smtClean="0"/>
+              <a:rPr lang="fr-FR" sz="1800" dirty="0"/>
               <a:t>) == (</a:t>
             </a:r>
             <a:r>
-              <a:rPr lang="fr-FR" sz="1800" dirty="0" err="1" smtClean="0"/>
+              <a:rPr lang="fr-FR" sz="1800" dirty="0" err="1"/>
               <a:t>joueur.x</a:t>
             </a:r>
             <a:r>
-              <a:rPr lang="fr-FR" sz="1800" dirty="0" smtClean="0"/>
+              <a:rPr lang="fr-FR" sz="1800" dirty="0"/>
               <a:t>, </a:t>
             </a:r>
             <a:r>
-              <a:rPr lang="fr-FR" sz="1800" dirty="0" err="1" smtClean="0"/>
+              <a:rPr lang="fr-FR" sz="1800" dirty="0" err="1"/>
               <a:t>joueur.y</a:t>
             </a:r>
             <a:r>
-              <a:rPr lang="fr-FR" sz="1800" dirty="0" smtClean="0"/>
+              <a:rPr lang="fr-FR" sz="1800" dirty="0"/>
               <a:t>):</a:t>
             </a:r>
           </a:p>
           <a:p>
             <a:r>
-              <a:rPr lang="fr-FR" dirty="0" smtClean="0"/>
+              <a:rPr lang="fr-FR" dirty="0"/>
               <a:t>On ajoute l’objet à l’inventaire en incrémentant les valeurs du dictionnaire inventaire:</a:t>
             </a:r>
           </a:p>
@@ -4582,24 +4655,24 @@
               <a:buNone/>
             </a:pPr>
             <a:r>
-              <a:rPr lang="fr-FR" dirty="0" smtClean="0"/>
+              <a:rPr lang="fr-FR" dirty="0"/>
               <a:t>		</a:t>
             </a:r>
             <a:r>
-              <a:rPr lang="fr-FR" sz="1800" dirty="0" smtClean="0"/>
+              <a:rPr lang="fr-FR" sz="1800" dirty="0"/>
               <a:t>Inventaire[« </a:t>
             </a:r>
             <a:r>
-              <a:rPr lang="fr-FR" sz="1800" dirty="0" err="1" smtClean="0"/>
+              <a:rPr lang="fr-FR" sz="1800" dirty="0" err="1"/>
               <a:t>objetn</a:t>
             </a:r>
             <a:r>
-              <a:rPr lang="fr-FR" sz="1800" dirty="0" smtClean="0"/>
+              <a:rPr lang="fr-FR" sz="1800" dirty="0"/>
               <a:t> »] += 1</a:t>
             </a:r>
           </a:p>
           <a:p>
-            <a:endParaRPr lang="fr-FR" dirty="0" smtClean="0"/>
+            <a:endParaRPr lang="fr-FR" dirty="0"/>
           </a:p>
         </p:txBody>
       </p:sp>
